--- a/Gal汉化分析/封包结构逆向/[Gal汉化分析] 封包逆向初步.pptx
+++ b/Gal汉化分析/封包结构逆向/[Gal汉化分析] 封包逆向初步.pptx
@@ -271,7 +271,7 @@
           <a:p>
             <a:fld id="{2043D4B5-ACCD-4AA5-9466-B276B92C5C45}" type="datetimeFigureOut">
               <a:rPr lang="en-US" smtClean="0"/>
-              <a:t>8/4/2023</a:t>
+              <a:t>8/5/2023</a:t>
             </a:fld>
             <a:endParaRPr lang="en-US"/>
           </a:p>
@@ -444,7 +444,7 @@
           <a:p>
             <a:fld id="{2043D4B5-ACCD-4AA5-9466-B276B92C5C45}" type="datetimeFigureOut">
               <a:rPr lang="en-US" smtClean="0"/>
-              <a:t>8/4/2023</a:t>
+              <a:t>8/5/2023</a:t>
             </a:fld>
             <a:endParaRPr lang="en-US"/>
           </a:p>
@@ -627,7 +627,7 @@
           <a:p>
             <a:fld id="{2043D4B5-ACCD-4AA5-9466-B276B92C5C45}" type="datetimeFigureOut">
               <a:rPr lang="en-US" smtClean="0"/>
-              <a:t>8/4/2023</a:t>
+              <a:t>8/5/2023</a:t>
             </a:fld>
             <a:endParaRPr lang="en-US"/>
           </a:p>
@@ -800,7 +800,7 @@
           <a:p>
             <a:fld id="{2043D4B5-ACCD-4AA5-9466-B276B92C5C45}" type="datetimeFigureOut">
               <a:rPr lang="en-US" smtClean="0"/>
-              <a:t>8/4/2023</a:t>
+              <a:t>8/5/2023</a:t>
             </a:fld>
             <a:endParaRPr lang="en-US"/>
           </a:p>
@@ -1049,7 +1049,7 @@
           <a:p>
             <a:fld id="{2043D4B5-ACCD-4AA5-9466-B276B92C5C45}" type="datetimeFigureOut">
               <a:rPr lang="en-US" smtClean="0"/>
-              <a:t>8/4/2023</a:t>
+              <a:t>8/5/2023</a:t>
             </a:fld>
             <a:endParaRPr lang="en-US"/>
           </a:p>
@@ -1284,7 +1284,7 @@
           <a:p>
             <a:fld id="{2043D4B5-ACCD-4AA5-9466-B276B92C5C45}" type="datetimeFigureOut">
               <a:rPr lang="en-US" smtClean="0"/>
-              <a:t>8/4/2023</a:t>
+              <a:t>8/5/2023</a:t>
             </a:fld>
             <a:endParaRPr lang="en-US"/>
           </a:p>
@@ -1654,7 +1654,7 @@
           <a:p>
             <a:fld id="{2043D4B5-ACCD-4AA5-9466-B276B92C5C45}" type="datetimeFigureOut">
               <a:rPr lang="en-US" smtClean="0"/>
-              <a:t>8/4/2023</a:t>
+              <a:t>8/5/2023</a:t>
             </a:fld>
             <a:endParaRPr lang="en-US"/>
           </a:p>
@@ -1775,7 +1775,7 @@
           <a:p>
             <a:fld id="{2043D4B5-ACCD-4AA5-9466-B276B92C5C45}" type="datetimeFigureOut">
               <a:rPr lang="en-US" smtClean="0"/>
-              <a:t>8/4/2023</a:t>
+              <a:t>8/5/2023</a:t>
             </a:fld>
             <a:endParaRPr lang="en-US"/>
           </a:p>
@@ -1873,7 +1873,7 @@
           <a:p>
             <a:fld id="{2043D4B5-ACCD-4AA5-9466-B276B92C5C45}" type="datetimeFigureOut">
               <a:rPr lang="en-US" smtClean="0"/>
-              <a:t>8/4/2023</a:t>
+              <a:t>8/5/2023</a:t>
             </a:fld>
             <a:endParaRPr lang="en-US"/>
           </a:p>
@@ -2153,7 +2153,7 @@
           <a:p>
             <a:fld id="{2043D4B5-ACCD-4AA5-9466-B276B92C5C45}" type="datetimeFigureOut">
               <a:rPr lang="en-US" smtClean="0"/>
-              <a:t>8/4/2023</a:t>
+              <a:t>8/5/2023</a:t>
             </a:fld>
             <a:endParaRPr lang="en-US"/>
           </a:p>
@@ -2409,7 +2409,7 @@
           <a:p>
             <a:fld id="{2043D4B5-ACCD-4AA5-9466-B276B92C5C45}" type="datetimeFigureOut">
               <a:rPr lang="en-US" smtClean="0"/>
-              <a:t>8/4/2023</a:t>
+              <a:t>8/5/2023</a:t>
             </a:fld>
             <a:endParaRPr lang="en-US"/>
           </a:p>
@@ -2634,7 +2634,7 @@
           <a:p>
             <a:fld id="{2043D4B5-ACCD-4AA5-9466-B276B92C5C45}" type="datetimeFigureOut">
               <a:rPr lang="en-US" smtClean="0"/>
-              <a:t>8/4/2023</a:t>
+              <a:t>8/5/2023</a:t>
             </a:fld>
             <a:endParaRPr lang="en-US"/>
           </a:p>
@@ -3353,18 +3353,18 @@
           <a:p>
             <a:pPr algn="ctr"/>
             <a:r>
-              <a:rPr lang="zh-CN" altLang="en-US" sz="6000" smtClean="0">
-                <a:latin typeface="方正准圆_GBK" panose="03000509000000000000" pitchFamily="65" charset="-122"/>
-                <a:ea typeface="方正准圆_GBK" panose="03000509000000000000" pitchFamily="65" charset="-122"/>
-              </a:rPr>
-              <a:t>熟练</a:t>
-            </a:r>
-            <a:r>
               <a:rPr lang="en-US" altLang="zh-CN" sz="6000" smtClean="0">
                 <a:latin typeface="方正准圆_GBK" panose="03000509000000000000" pitchFamily="65" charset="-122"/>
                 <a:ea typeface="方正准圆_GBK" panose="03000509000000000000" pitchFamily="65" charset="-122"/>
               </a:rPr>
-              <a:t>IDA Pro</a:t>
+              <a:t>IDA </a:t>
+            </a:r>
+            <a:r>
+              <a:rPr lang="en-US" altLang="zh-CN" sz="6000" smtClean="0">
+                <a:latin typeface="方正准圆_GBK" panose="03000509000000000000" pitchFamily="65" charset="-122"/>
+                <a:ea typeface="方正准圆_GBK" panose="03000509000000000000" pitchFamily="65" charset="-122"/>
+              </a:rPr>
+              <a:t>Pro</a:t>
             </a:r>
             <a:r>
               <a:rPr lang="zh-CN" altLang="en-US" sz="6000">
@@ -3506,7 +3506,27 @@
                 <a:latin typeface="方正准圆_GBK" panose="03000509000000000000" pitchFamily="65" charset="-122"/>
                 <a:ea typeface="方正准圆_GBK" panose="03000509000000000000" pitchFamily="65" charset="-122"/>
               </a:rPr>
-              <a:t>从系</a:t>
+              <a:t>从系统</a:t>
+            </a:r>
+            <a:r>
+              <a:rPr lang="en-US" altLang="zh-CN" sz="2400" smtClean="0">
+                <a:solidFill>
+                  <a:srgbClr val="FFFF00"/>
+                </a:solidFill>
+                <a:latin typeface="方正准圆_GBK" panose="03000509000000000000" pitchFamily="65" charset="-122"/>
+                <a:ea typeface="方正准圆_GBK" panose="03000509000000000000" pitchFamily="65" charset="-122"/>
+              </a:rPr>
+              <a:t>API</a:t>
+            </a:r>
+            <a:r>
+              <a:rPr lang="zh-CN" altLang="en-US" sz="2400" smtClean="0">
+                <a:solidFill>
+                  <a:srgbClr val="FFFF00"/>
+                </a:solidFill>
+                <a:latin typeface="方正准圆_GBK" panose="03000509000000000000" pitchFamily="65" charset="-122"/>
+                <a:ea typeface="方正准圆_GBK" panose="03000509000000000000" pitchFamily="65" charset="-122"/>
+              </a:rPr>
+              <a:t>、字</a:t>
             </a:r>
             <a:r>
               <a:rPr lang="zh-CN" altLang="en-US" sz="2400">
@@ -3516,7 +3536,17 @@
                 <a:latin typeface="方正准圆_GBK" panose="03000509000000000000" pitchFamily="65" charset="-122"/>
                 <a:ea typeface="方正准圆_GBK" panose="03000509000000000000" pitchFamily="65" charset="-122"/>
               </a:rPr>
-              <a:t>统</a:t>
+              <a:t>符串入</a:t>
+            </a:r>
+            <a:r>
+              <a:rPr lang="zh-CN" altLang="en-US" sz="2400" smtClean="0">
+                <a:solidFill>
+                  <a:srgbClr val="FFFF00"/>
+                </a:solidFill>
+                <a:latin typeface="方正准圆_GBK" panose="03000509000000000000" pitchFamily="65" charset="-122"/>
+                <a:ea typeface="方正准圆_GBK" panose="03000509000000000000" pitchFamily="65" charset="-122"/>
+              </a:rPr>
+              <a:t>手</a:t>
             </a:r>
             <a:r>
               <a:rPr lang="en-US" altLang="zh-CN" sz="2400" smtClean="0">
@@ -3526,7 +3556,7 @@
                 <a:latin typeface="方正准圆_GBK" panose="03000509000000000000" pitchFamily="65" charset="-122"/>
                 <a:ea typeface="方正准圆_GBK" panose="03000509000000000000" pitchFamily="65" charset="-122"/>
               </a:rPr>
-              <a:t>API</a:t>
+              <a:t>-&gt;</a:t>
             </a:r>
             <a:r>
               <a:rPr lang="zh-CN" altLang="en-US" sz="2400" smtClean="0">
@@ -3536,7 +3566,7 @@
                 <a:latin typeface="方正准圆_GBK" panose="03000509000000000000" pitchFamily="65" charset="-122"/>
                 <a:ea typeface="方正准圆_GBK" panose="03000509000000000000" pitchFamily="65" charset="-122"/>
               </a:rPr>
-              <a:t>、字</a:t>
+              <a:t>定</a:t>
             </a:r>
             <a:r>
               <a:rPr lang="zh-CN" altLang="en-US" sz="2400">
@@ -3546,67 +3576,7 @@
                 <a:latin typeface="方正准圆_GBK" panose="03000509000000000000" pitchFamily="65" charset="-122"/>
                 <a:ea typeface="方正准圆_GBK" panose="03000509000000000000" pitchFamily="65" charset="-122"/>
               </a:rPr>
-              <a:t>符串</a:t>
-            </a:r>
-            <a:r>
-              <a:rPr lang="zh-CN" altLang="en-US" sz="2400">
-                <a:solidFill>
-                  <a:srgbClr val="FFFF00"/>
-                </a:solidFill>
-                <a:latin typeface="方正准圆_GBK" panose="03000509000000000000" pitchFamily="65" charset="-122"/>
-                <a:ea typeface="方正准圆_GBK" panose="03000509000000000000" pitchFamily="65" charset="-122"/>
-              </a:rPr>
-              <a:t>入</a:t>
-            </a:r>
-            <a:r>
-              <a:rPr lang="zh-CN" altLang="en-US" sz="2400" smtClean="0">
-                <a:solidFill>
-                  <a:srgbClr val="FFFF00"/>
-                </a:solidFill>
-                <a:latin typeface="方正准圆_GBK" panose="03000509000000000000" pitchFamily="65" charset="-122"/>
-                <a:ea typeface="方正准圆_GBK" panose="03000509000000000000" pitchFamily="65" charset="-122"/>
-              </a:rPr>
-              <a:t>手</a:t>
-            </a:r>
-            <a:r>
-              <a:rPr lang="en-US" altLang="zh-CN" sz="2400" smtClean="0">
-                <a:solidFill>
-                  <a:srgbClr val="FFFF00"/>
-                </a:solidFill>
-                <a:latin typeface="方正准圆_GBK" panose="03000509000000000000" pitchFamily="65" charset="-122"/>
-                <a:ea typeface="方正准圆_GBK" panose="03000509000000000000" pitchFamily="65" charset="-122"/>
-              </a:rPr>
-              <a:t>-&gt;</a:t>
-            </a:r>
-            <a:r>
-              <a:rPr lang="zh-CN" altLang="en-US" sz="2400" smtClean="0">
-                <a:solidFill>
-                  <a:srgbClr val="FFFF00"/>
-                </a:solidFill>
-                <a:latin typeface="方正准圆_GBK" panose="03000509000000000000" pitchFamily="65" charset="-122"/>
-                <a:ea typeface="方正准圆_GBK" panose="03000509000000000000" pitchFamily="65" charset="-122"/>
-              </a:rPr>
-              <a:t>定</a:t>
-            </a:r>
-            <a:r>
-              <a:rPr lang="zh-CN" altLang="en-US" sz="2400">
-                <a:solidFill>
-                  <a:srgbClr val="FFFF00"/>
-                </a:solidFill>
-                <a:latin typeface="方正准圆_GBK" panose="03000509000000000000" pitchFamily="65" charset="-122"/>
-                <a:ea typeface="方正准圆_GBK" panose="03000509000000000000" pitchFamily="65" charset="-122"/>
-              </a:rPr>
-              <a:t>位关键</a:t>
-            </a:r>
-            <a:r>
-              <a:rPr lang="zh-CN" altLang="en-US" sz="2400">
-                <a:solidFill>
-                  <a:srgbClr val="FFFF00"/>
-                </a:solidFill>
-                <a:latin typeface="方正准圆_GBK" panose="03000509000000000000" pitchFamily="65" charset="-122"/>
-                <a:ea typeface="方正准圆_GBK" panose="03000509000000000000" pitchFamily="65" charset="-122"/>
-              </a:rPr>
-              <a:t>部</a:t>
+              <a:t>位关键部</a:t>
             </a:r>
             <a:r>
               <a:rPr lang="zh-CN" altLang="en-US" sz="2400" smtClean="0">
@@ -3656,17 +3626,7 @@
                 <a:latin typeface="方正准圆_GBK" panose="03000509000000000000" pitchFamily="65" charset="-122"/>
                 <a:ea typeface="方正准圆_GBK" panose="03000509000000000000" pitchFamily="65" charset="-122"/>
               </a:rPr>
-              <a:t>定位</a:t>
-            </a:r>
-            <a:r>
-              <a:rPr lang="zh-CN" altLang="en-US" sz="2400">
-                <a:solidFill>
-                  <a:srgbClr val="FFFF00"/>
-                </a:solidFill>
-                <a:latin typeface="方正准圆_GBK" panose="03000509000000000000" pitchFamily="65" charset="-122"/>
-                <a:ea typeface="方正准圆_GBK" panose="03000509000000000000" pitchFamily="65" charset="-122"/>
-              </a:rPr>
-              <a:t>解</a:t>
+              <a:t>定位解</a:t>
             </a:r>
             <a:r>
               <a:rPr lang="zh-CN" altLang="en-US" sz="2400" smtClean="0">
@@ -3736,17 +3696,7 @@
                 <a:latin typeface="方正准圆_GBK" panose="03000509000000000000" pitchFamily="65" charset="-122"/>
                 <a:ea typeface="方正准圆_GBK" panose="03000509000000000000" pitchFamily="65" charset="-122"/>
               </a:rPr>
-              <a:t>有助于理清内存</a:t>
-            </a:r>
-            <a:r>
-              <a:rPr lang="zh-CN" altLang="en-US" sz="2400">
-                <a:solidFill>
-                  <a:srgbClr val="FFFF00"/>
-                </a:solidFill>
-                <a:latin typeface="方正准圆_GBK" panose="03000509000000000000" pitchFamily="65" charset="-122"/>
-                <a:ea typeface="方正准圆_GBK" panose="03000509000000000000" pitchFamily="65" charset="-122"/>
-              </a:rPr>
-              <a:t>结</a:t>
+              <a:t>有助于理清内存结</a:t>
             </a:r>
             <a:r>
               <a:rPr lang="zh-CN" altLang="en-US" sz="2400" smtClean="0">
@@ -3957,7 +3907,14 @@
                 <a:latin typeface="方正准圆_GBK" panose="03000509000000000000" pitchFamily="65" charset="-122"/>
                 <a:ea typeface="方正准圆_GBK" panose="03000509000000000000" pitchFamily="65" charset="-122"/>
               </a:rPr>
-              <a:t>熟悉文件操作相关</a:t>
+              <a:t>文</a:t>
+            </a:r>
+            <a:r>
+              <a:rPr lang="zh-CN" altLang="en-US" sz="6600" smtClean="0">
+                <a:latin typeface="方正准圆_GBK" panose="03000509000000000000" pitchFamily="65" charset="-122"/>
+                <a:ea typeface="方正准圆_GBK" panose="03000509000000000000" pitchFamily="65" charset="-122"/>
+              </a:rPr>
+              <a:t>件操作相关</a:t>
             </a:r>
             <a:r>
               <a:rPr lang="en-US" altLang="zh-CN" sz="6600" smtClean="0">
@@ -3966,10 +3923,6 @@
               </a:rPr>
               <a:t>API</a:t>
             </a:r>
-            <a:endParaRPr lang="en-US" altLang="zh-CN" sz="6600" smtClean="0">
-              <a:latin typeface="方正准圆_GBK" panose="03000509000000000000" pitchFamily="65" charset="-122"/>
-              <a:ea typeface="方正准圆_GBK" panose="03000509000000000000" pitchFamily="65" charset="-122"/>
-            </a:endParaRPr>
           </a:p>
         </p:txBody>
       </p:sp>
@@ -4284,17 +4237,7 @@
                 <a:latin typeface="方正准圆_GBK" panose="03000509000000000000" pitchFamily="65" charset="-122"/>
                 <a:ea typeface="方正准圆_GBK" panose="03000509000000000000" pitchFamily="65" charset="-122"/>
               </a:rPr>
-              <a:t>_</a:t>
-            </a:r>
-            <a:r>
-              <a:rPr lang="en-US" altLang="zh-CN" sz="2400">
-                <a:solidFill>
-                  <a:srgbClr val="FFFF00"/>
-                </a:solidFill>
-                <a:latin typeface="方正准圆_GBK" panose="03000509000000000000" pitchFamily="65" charset="-122"/>
-                <a:ea typeface="方正准圆_GBK" panose="03000509000000000000" pitchFamily="65" charset="-122"/>
-              </a:rPr>
-              <a:t>findfirst </a:t>
+              <a:t>_findfirst </a:t>
             </a:r>
             <a:r>
               <a:rPr lang="en-US" altLang="zh-CN" sz="2400" smtClean="0">
@@ -4440,17 +4383,7 @@
                 <a:latin typeface="方正准圆_GBK" panose="03000509000000000000" pitchFamily="65" charset="-122"/>
                 <a:ea typeface="方正准圆_GBK" panose="03000509000000000000" pitchFamily="65" charset="-122"/>
               </a:rPr>
-              <a:t>m</a:t>
-            </a:r>
-            <a:r>
-              <a:rPr lang="en-US" altLang="zh-CN" sz="2000" smtClean="0">
-                <a:solidFill>
-                  <a:srgbClr val="FFFF00"/>
-                </a:solidFill>
-                <a:latin typeface="方正准圆_GBK" panose="03000509000000000000" pitchFamily="65" charset="-122"/>
-                <a:ea typeface="方正准圆_GBK" panose="03000509000000000000" pitchFamily="65" charset="-122"/>
-              </a:rPr>
-              <a:t>alloc / free</a:t>
+              <a:t>malloc / free</a:t>
             </a:r>
             <a:endParaRPr lang="en-US" altLang="zh-CN" sz="2400" smtClean="0">
               <a:solidFill>
@@ -4499,17 +4432,7 @@
                 <a:latin typeface="方正准圆_GBK" panose="03000509000000000000" pitchFamily="65" charset="-122"/>
                 <a:ea typeface="方正准圆_GBK" panose="03000509000000000000" pitchFamily="65" charset="-122"/>
               </a:rPr>
-              <a:t>operator new</a:t>
-            </a:r>
-            <a:r>
-              <a:rPr lang="en-US" altLang="zh-CN" sz="2000">
-                <a:solidFill>
-                  <a:srgbClr val="FFFF00"/>
-                </a:solidFill>
-                <a:latin typeface="方正准圆_GBK" panose="03000509000000000000" pitchFamily="65" charset="-122"/>
-                <a:ea typeface="方正准圆_GBK" panose="03000509000000000000" pitchFamily="65" charset="-122"/>
-              </a:rPr>
-              <a:t>[ </a:t>
+              <a:t>operator new[ </a:t>
             </a:r>
             <a:r>
               <a:rPr lang="en-US" altLang="zh-CN" sz="2000" smtClean="0">
@@ -4637,17 +4560,7 @@
                 <a:latin typeface="方正准圆_GBK" panose="03000509000000000000" pitchFamily="65" charset="-122"/>
                 <a:ea typeface="方正准圆_GBK" panose="03000509000000000000" pitchFamily="65" charset="-122"/>
               </a:rPr>
-              <a:t>HeapAlloc / HeapFree / HeapCreate </a:t>
-            </a:r>
-            <a:r>
-              <a:rPr lang="en-US" altLang="zh-CN" sz="2000">
-                <a:solidFill>
-                  <a:srgbClr val="FFFF00"/>
-                </a:solidFill>
-                <a:latin typeface="方正准圆_GBK" panose="03000509000000000000" pitchFamily="65" charset="-122"/>
-                <a:ea typeface="方正准圆_GBK" panose="03000509000000000000" pitchFamily="65" charset="-122"/>
-              </a:rPr>
-              <a:t>/ </a:t>
+              <a:t>HeapAlloc / HeapFree / HeapCreate / </a:t>
             </a:r>
             <a:r>
               <a:rPr lang="en-US" altLang="zh-CN" sz="2000" smtClean="0">
@@ -4786,13 +4699,6 @@
           <a:p>
             <a:pPr algn="ctr"/>
             <a:r>
-              <a:rPr lang="zh-CN" altLang="en-US" sz="6600" smtClean="0">
-                <a:latin typeface="方正准圆_GBK" panose="03000509000000000000" pitchFamily="65" charset="-122"/>
-                <a:ea typeface="方正准圆_GBK" panose="03000509000000000000" pitchFamily="65" charset="-122"/>
-              </a:rPr>
-              <a:t>最好熟悉</a:t>
-            </a:r>
-            <a:r>
               <a:rPr lang="en-US" altLang="zh-CN" sz="6600" smtClean="0">
                 <a:latin typeface="方正准圆_GBK" panose="03000509000000000000" pitchFamily="65" charset="-122"/>
                 <a:ea typeface="方正准圆_GBK" panose="03000509000000000000" pitchFamily="65" charset="-122"/>
@@ -5283,7 +5189,14 @@
                 <a:latin typeface="方正准圆_GBK" panose="03000509000000000000" pitchFamily="65" charset="-122"/>
                 <a:ea typeface="方正准圆_GBK" panose="03000509000000000000" pitchFamily="65" charset="-122"/>
               </a:rPr>
-              <a:t>善用硬件</a:t>
+              <a:t>硬</a:t>
+            </a:r>
+            <a:r>
+              <a:rPr lang="zh-CN" altLang="en-US" sz="6600" smtClean="0">
+                <a:latin typeface="方正准圆_GBK" panose="03000509000000000000" pitchFamily="65" charset="-122"/>
+                <a:ea typeface="方正准圆_GBK" panose="03000509000000000000" pitchFamily="65" charset="-122"/>
+              </a:rPr>
+              <a:t>件</a:t>
             </a:r>
             <a:r>
               <a:rPr lang="en-US" altLang="zh-CN" sz="6600" smtClean="0">
@@ -5879,17 +5792,7 @@
                 <a:latin typeface="方正准圆_GBK" panose="03000509000000000000" pitchFamily="65" charset="-122"/>
                 <a:ea typeface="方正准圆_GBK" panose="03000509000000000000" pitchFamily="65" charset="-122"/>
               </a:rPr>
-              <a:t>分析出库函数和模板方法类</a:t>
-            </a:r>
-            <a:r>
-              <a:rPr lang="zh-CN" altLang="en-US" sz="2800" smtClean="0">
-                <a:solidFill>
-                  <a:srgbClr val="FFFF00"/>
-                </a:solidFill>
-                <a:latin typeface="方正准圆_GBK" panose="03000509000000000000" pitchFamily="65" charset="-122"/>
-                <a:ea typeface="方正准圆_GBK" panose="03000509000000000000" pitchFamily="65" charset="-122"/>
-              </a:rPr>
-              <a:t>，从而为后续</a:t>
+              <a:t>分析出库函数和模板方法类，从而为后续</a:t>
             </a:r>
             <a:r>
               <a:rPr lang="zh-CN" altLang="en-US" sz="2800">
@@ -6174,7 +6077,14 @@
                 <a:latin typeface="方正准圆_GBK" panose="03000509000000000000" pitchFamily="65" charset="-122"/>
                 <a:ea typeface="方正准圆_GBK" panose="03000509000000000000" pitchFamily="65" charset="-122"/>
               </a:rPr>
-              <a:t>分析函数输入输出</a:t>
+              <a:t>函</a:t>
+            </a:r>
+            <a:r>
+              <a:rPr lang="zh-CN" altLang="en-US" sz="6600" smtClean="0">
+                <a:latin typeface="方正准圆_GBK" panose="03000509000000000000" pitchFamily="65" charset="-122"/>
+                <a:ea typeface="方正准圆_GBK" panose="03000509000000000000" pitchFamily="65" charset="-122"/>
+              </a:rPr>
+              <a:t>数输入输出</a:t>
             </a:r>
             <a:endParaRPr lang="en-US" altLang="zh-CN" sz="6600" smtClean="0">
               <a:latin typeface="方正准圆_GBK" panose="03000509000000000000" pitchFamily="65" charset="-122"/>
@@ -6285,27 +6195,7 @@
                 <a:latin typeface="方正准圆_GBK" panose="03000509000000000000" pitchFamily="65" charset="-122"/>
                 <a:ea typeface="方正准圆_GBK" panose="03000509000000000000" pitchFamily="65" charset="-122"/>
               </a:rPr>
-              <a:t>记把握函数的输入输出</a:t>
-            </a:r>
-            <a:r>
-              <a:rPr lang="zh-CN" altLang="en-US" sz="2400" smtClean="0">
-                <a:solidFill>
-                  <a:srgbClr val="FFFF00"/>
-                </a:solidFill>
-                <a:latin typeface="方正准圆_GBK" panose="03000509000000000000" pitchFamily="65" charset="-122"/>
-                <a:ea typeface="方正准圆_GBK" panose="03000509000000000000" pitchFamily="65" charset="-122"/>
-              </a:rPr>
-              <a:t>，</a:t>
-            </a:r>
-            <a:r>
-              <a:rPr lang="zh-CN" altLang="en-US" sz="2400" smtClean="0">
-                <a:solidFill>
-                  <a:srgbClr val="FFFF00"/>
-                </a:solidFill>
-                <a:latin typeface="方正准圆_GBK" panose="03000509000000000000" pitchFamily="65" charset="-122"/>
-                <a:ea typeface="方正准圆_GBK" panose="03000509000000000000" pitchFamily="65" charset="-122"/>
-              </a:rPr>
-              <a:t>以此来推测函数功能</a:t>
+              <a:t>记把握函数的输入输出，以此来推测函数功能</a:t>
             </a:r>
             <a:endParaRPr lang="en-US" altLang="zh-CN" sz="2400" smtClean="0">
               <a:solidFill>
@@ -6750,7 +6640,14 @@
                 <a:latin typeface="方正准圆_GBK" panose="03000509000000000000" pitchFamily="65" charset="-122"/>
                 <a:ea typeface="方正准圆_GBK" panose="03000509000000000000" pitchFamily="65" charset="-122"/>
               </a:rPr>
-              <a:t>分析函数引用</a:t>
+              <a:t>函</a:t>
+            </a:r>
+            <a:r>
+              <a:rPr lang="zh-CN" altLang="en-US" sz="6600" smtClean="0">
+                <a:latin typeface="方正准圆_GBK" panose="03000509000000000000" pitchFamily="65" charset="-122"/>
+                <a:ea typeface="方正准圆_GBK" panose="03000509000000000000" pitchFamily="65" charset="-122"/>
+              </a:rPr>
+              <a:t>数引用</a:t>
             </a:r>
             <a:endParaRPr lang="en-US" altLang="zh-CN" sz="6600" smtClean="0">
               <a:latin typeface="方正准圆_GBK" panose="03000509000000000000" pitchFamily="65" charset="-122"/>
@@ -7012,7 +6909,14 @@
                 <a:latin typeface="方正准圆_GBK" panose="03000509000000000000" pitchFamily="65" charset="-122"/>
                 <a:ea typeface="方正准圆_GBK" panose="03000509000000000000" pitchFamily="65" charset="-122"/>
               </a:rPr>
-              <a:t>分析对象结构</a:t>
+              <a:t>对</a:t>
+            </a:r>
+            <a:r>
+              <a:rPr lang="zh-CN" altLang="en-US" sz="6600" smtClean="0">
+                <a:latin typeface="方正准圆_GBK" panose="03000509000000000000" pitchFamily="65" charset="-122"/>
+                <a:ea typeface="方正准圆_GBK" panose="03000509000000000000" pitchFamily="65" charset="-122"/>
+              </a:rPr>
+              <a:t>象结构</a:t>
             </a:r>
             <a:endParaRPr lang="en-US" altLang="zh-CN" sz="6600" smtClean="0">
               <a:latin typeface="方正准圆_GBK" panose="03000509000000000000" pitchFamily="65" charset="-122"/>
@@ -7427,17 +7331,7 @@
                 <a:latin typeface="方正准圆_GBK" panose="03000509000000000000" pitchFamily="65" charset="-122"/>
                 <a:ea typeface="方正准圆_GBK" panose="03000509000000000000" pitchFamily="65" charset="-122"/>
               </a:rPr>
-              <a:t>，多跟踪，多</a:t>
-            </a:r>
-            <a:r>
-              <a:rPr lang="zh-CN" altLang="en-US" sz="2800">
-                <a:solidFill>
-                  <a:srgbClr val="FFFF00"/>
-                </a:solidFill>
-                <a:latin typeface="方正准圆_GBK" panose="03000509000000000000" pitchFamily="65" charset="-122"/>
-                <a:ea typeface="方正准圆_GBK" panose="03000509000000000000" pitchFamily="65" charset="-122"/>
-              </a:rPr>
-              <a:t>喝</a:t>
+              <a:t>，多跟踪，多喝</a:t>
             </a:r>
             <a:r>
               <a:rPr lang="zh-CN" altLang="en-US" sz="2800" smtClean="0">
@@ -7487,7 +7381,17 @@
                 <a:latin typeface="方正准圆_GBK" panose="03000509000000000000" pitchFamily="65" charset="-122"/>
                 <a:ea typeface="方正准圆_GBK" panose="03000509000000000000" pitchFamily="65" charset="-122"/>
               </a:rPr>
-              <a:t>逆不出来不</a:t>
+              <a:t>逆不出来不勉</a:t>
+            </a:r>
+            <a:r>
+              <a:rPr lang="zh-CN" altLang="en-US" sz="2800" smtClean="0">
+                <a:solidFill>
+                  <a:srgbClr val="FFFF00"/>
+                </a:solidFill>
+                <a:latin typeface="方正准圆_GBK" panose="03000509000000000000" pitchFamily="65" charset="-122"/>
+                <a:ea typeface="方正准圆_GBK" panose="03000509000000000000" pitchFamily="65" charset="-122"/>
+              </a:rPr>
+              <a:t>强，喝</a:t>
             </a:r>
             <a:r>
               <a:rPr lang="zh-CN" altLang="en-US" sz="2800">
@@ -7497,7 +7401,7 @@
                 <a:latin typeface="方正准圆_GBK" panose="03000509000000000000" pitchFamily="65" charset="-122"/>
                 <a:ea typeface="方正准圆_GBK" panose="03000509000000000000" pitchFamily="65" charset="-122"/>
               </a:rPr>
-              <a:t>勉</a:t>
+              <a:t>口水保存文件</a:t>
             </a:r>
             <a:r>
               <a:rPr lang="zh-CN" altLang="en-US" sz="2800" smtClean="0">
@@ -7507,7 +7411,7 @@
                 <a:latin typeface="方正准圆_GBK" panose="03000509000000000000" pitchFamily="65" charset="-122"/>
                 <a:ea typeface="方正准圆_GBK" panose="03000509000000000000" pitchFamily="65" charset="-122"/>
               </a:rPr>
-              <a:t>强，喝</a:t>
+              <a:t>，有</a:t>
             </a:r>
             <a:r>
               <a:rPr lang="zh-CN" altLang="en-US" sz="2800">
@@ -7517,47 +7421,7 @@
                 <a:latin typeface="方正准圆_GBK" panose="03000509000000000000" pitchFamily="65" charset="-122"/>
                 <a:ea typeface="方正准圆_GBK" panose="03000509000000000000" pitchFamily="65" charset="-122"/>
               </a:rPr>
-              <a:t>口水保存文</a:t>
-            </a:r>
-            <a:r>
-              <a:rPr lang="zh-CN" altLang="en-US" sz="2800">
-                <a:solidFill>
-                  <a:srgbClr val="FFFF00"/>
-                </a:solidFill>
-                <a:latin typeface="方正准圆_GBK" panose="03000509000000000000" pitchFamily="65" charset="-122"/>
-                <a:ea typeface="方正准圆_GBK" panose="03000509000000000000" pitchFamily="65" charset="-122"/>
-              </a:rPr>
-              <a:t>件</a:t>
-            </a:r>
-            <a:r>
-              <a:rPr lang="zh-CN" altLang="en-US" sz="2800" smtClean="0">
-                <a:solidFill>
-                  <a:srgbClr val="FFFF00"/>
-                </a:solidFill>
-                <a:latin typeface="方正准圆_GBK" panose="03000509000000000000" pitchFamily="65" charset="-122"/>
-                <a:ea typeface="方正准圆_GBK" panose="03000509000000000000" pitchFamily="65" charset="-122"/>
-              </a:rPr>
-              <a:t>，有</a:t>
-            </a:r>
-            <a:r>
-              <a:rPr lang="zh-CN" altLang="en-US" sz="2800">
-                <a:solidFill>
-                  <a:srgbClr val="FFFF00"/>
-                </a:solidFill>
-                <a:latin typeface="方正准圆_GBK" panose="03000509000000000000" pitchFamily="65" charset="-122"/>
-                <a:ea typeface="方正准圆_GBK" panose="03000509000000000000" pitchFamily="65" charset="-122"/>
-              </a:rPr>
-              <a:t>思路</a:t>
-            </a:r>
-            <a:r>
-              <a:rPr lang="zh-CN" altLang="en-US" sz="2800">
-                <a:solidFill>
-                  <a:srgbClr val="FFFF00"/>
-                </a:solidFill>
-                <a:latin typeface="方正准圆_GBK" panose="03000509000000000000" pitchFamily="65" charset="-122"/>
-                <a:ea typeface="方正准圆_GBK" panose="03000509000000000000" pitchFamily="65" charset="-122"/>
-              </a:rPr>
-              <a:t>再</a:t>
+              <a:t>思路再</a:t>
             </a:r>
             <a:r>
               <a:rPr lang="zh-CN" altLang="en-US" sz="2800" smtClean="0">
@@ -7664,18 +7528,18 @@
           <a:p>
             <a:pPr algn="ctr"/>
             <a:r>
-              <a:rPr lang="zh-CN" altLang="en-US" sz="6600">
-                <a:latin typeface="方正准圆_GBK" panose="03000509000000000000" pitchFamily="65" charset="-122"/>
-                <a:ea typeface="方正准圆_GBK" panose="03000509000000000000" pitchFamily="65" charset="-122"/>
-              </a:rPr>
-              <a:t>熟</a:t>
-            </a:r>
-            <a:r>
               <a:rPr lang="zh-CN" altLang="en-US" sz="6600" smtClean="0">
                 <a:latin typeface="方正准圆_GBK" panose="03000509000000000000" pitchFamily="65" charset="-122"/>
                 <a:ea typeface="方正准圆_GBK" panose="03000509000000000000" pitchFamily="65" charset="-122"/>
               </a:rPr>
-              <a:t>悉常见封包结构</a:t>
+              <a:t>常</a:t>
+            </a:r>
+            <a:r>
+              <a:rPr lang="zh-CN" altLang="en-US" sz="6600" smtClean="0">
+                <a:latin typeface="方正准圆_GBK" panose="03000509000000000000" pitchFamily="65" charset="-122"/>
+                <a:ea typeface="方正准圆_GBK" panose="03000509000000000000" pitchFamily="65" charset="-122"/>
+              </a:rPr>
+              <a:t>见封包结构</a:t>
             </a:r>
             <a:endParaRPr lang="en-US" altLang="zh-CN" smtClean="0">
               <a:latin typeface="方正准圆_GBK" panose="03000509000000000000" pitchFamily="65" charset="-122"/>
@@ -7776,17 +7640,7 @@
                 <a:latin typeface="方正准圆_GBK" panose="03000509000000000000" pitchFamily="65" charset="-122"/>
                 <a:ea typeface="方正准圆_GBK" panose="03000509000000000000" pitchFamily="65" charset="-122"/>
               </a:rPr>
-              <a:t>能猜先猜，不能猜</a:t>
-            </a:r>
-            <a:r>
-              <a:rPr lang="zh-CN" altLang="en-US" sz="3200">
-                <a:solidFill>
-                  <a:srgbClr val="FFFF00"/>
-                </a:solidFill>
-                <a:latin typeface="方正准圆_GBK" panose="03000509000000000000" pitchFamily="65" charset="-122"/>
-                <a:ea typeface="方正准圆_GBK" panose="03000509000000000000" pitchFamily="65" charset="-122"/>
-              </a:rPr>
-              <a:t>再</a:t>
+              <a:t>能猜先猜，不能猜再</a:t>
             </a:r>
             <a:r>
               <a:rPr lang="zh-CN" altLang="en-US" sz="3200" smtClean="0">
@@ -7983,18 +7837,18 @@
           <a:p>
             <a:pPr algn="ctr"/>
             <a:r>
-              <a:rPr lang="zh-CN" altLang="en-US" sz="6600">
-                <a:latin typeface="方正准圆_GBK" panose="03000509000000000000" pitchFamily="65" charset="-122"/>
-                <a:ea typeface="方正准圆_GBK" panose="03000509000000000000" pitchFamily="65" charset="-122"/>
-              </a:rPr>
-              <a:t>熟</a:t>
-            </a:r>
-            <a:r>
               <a:rPr lang="zh-CN" altLang="en-US" sz="6600" smtClean="0">
                 <a:latin typeface="方正准圆_GBK" panose="03000509000000000000" pitchFamily="65" charset="-122"/>
                 <a:ea typeface="方正准圆_GBK" panose="03000509000000000000" pitchFamily="65" charset="-122"/>
               </a:rPr>
-              <a:t>悉压缩算法</a:t>
+              <a:t>压</a:t>
+            </a:r>
+            <a:r>
+              <a:rPr lang="zh-CN" altLang="en-US" sz="6600" smtClean="0">
+                <a:latin typeface="方正准圆_GBK" panose="03000509000000000000" pitchFamily="65" charset="-122"/>
+                <a:ea typeface="方正准圆_GBK" panose="03000509000000000000" pitchFamily="65" charset="-122"/>
+              </a:rPr>
+              <a:t>缩算法</a:t>
             </a:r>
             <a:endParaRPr lang="en-US" altLang="zh-CN" smtClean="0">
               <a:latin typeface="方正准圆_GBK" panose="03000509000000000000" pitchFamily="65" charset="-122"/>
@@ -8211,17 +8065,7 @@
                 <a:latin typeface="方正准圆_GBK" panose="03000509000000000000" pitchFamily="65" charset="-122"/>
                 <a:ea typeface="方正准圆_GBK" panose="03000509000000000000" pitchFamily="65" charset="-122"/>
               </a:rPr>
-              <a:t>系列的</a:t>
-            </a:r>
-            <a:r>
-              <a:rPr lang="zh-CN" altLang="en-US" sz="4400">
-                <a:solidFill>
-                  <a:srgbClr val="FFFF00"/>
-                </a:solidFill>
-                <a:latin typeface="方正准圆_GBK" panose="03000509000000000000" pitchFamily="65" charset="-122"/>
-                <a:ea typeface="方正准圆_GBK" panose="03000509000000000000" pitchFamily="65" charset="-122"/>
-              </a:rPr>
-              <a:t>变</a:t>
+              <a:t>系列的变</a:t>
             </a:r>
             <a:r>
               <a:rPr lang="zh-CN" altLang="en-US" sz="4400" smtClean="0">
@@ -8328,21 +8172,7 @@
           <a:p>
             <a:pPr algn="ctr"/>
             <a:r>
-              <a:rPr lang="zh-CN" altLang="en-US" sz="6600">
-                <a:latin typeface="方正准圆_GBK" panose="03000509000000000000" pitchFamily="65" charset="-122"/>
-                <a:ea typeface="方正准圆_GBK" panose="03000509000000000000" pitchFamily="65" charset="-122"/>
-              </a:rPr>
-              <a:t>熟</a:t>
-            </a:r>
-            <a:r>
               <a:rPr lang="zh-CN" altLang="en-US" sz="6600" smtClean="0">
-                <a:latin typeface="方正准圆_GBK" panose="03000509000000000000" pitchFamily="65" charset="-122"/>
-                <a:ea typeface="方正准圆_GBK" panose="03000509000000000000" pitchFamily="65" charset="-122"/>
-              </a:rPr>
-              <a:t>悉</a:t>
-            </a:r>
-            <a:r>
-              <a:rPr lang="zh-CN" altLang="en-US" sz="6600">
                 <a:latin typeface="方正准圆_GBK" panose="03000509000000000000" pitchFamily="65" charset="-122"/>
                 <a:ea typeface="方正准圆_GBK" panose="03000509000000000000" pitchFamily="65" charset="-122"/>
               </a:rPr>
